--- a/d3.pptx
+++ b/d3.pptx
@@ -4369,13 +4369,7 @@
               <a:rPr lang="en-US" sz="2800" b="1" dirty="0" smtClean="0">
                 <a:cs typeface="Menlo Regular"/>
               </a:rPr>
-              <a:t>Descendant </a:t>
-            </a:r>
-            <a:r>
-              <a:rPr lang="en-US" sz="2800" b="1" dirty="0" smtClean="0">
-                <a:cs typeface="Menlo Regular"/>
-              </a:rPr>
-              <a:t>selectors			Syntax: </a:t>
+              <a:t>Descendant selectors			Syntax: </a:t>
             </a:r>
             <a:r>
               <a:rPr lang="en-US" sz="2400" dirty="0" smtClean="0">
@@ -4384,10 +4378,6 @@
               </a:rPr>
               <a:t>parent child</a:t>
             </a:r>
-            <a:endParaRPr lang="en-US" sz="2400" dirty="0" smtClean="0">
-              <a:latin typeface="Menlo Regular"/>
-              <a:cs typeface="Menlo Regular"/>
-            </a:endParaRPr>
           </a:p>
           <a:p>
             <a:r>
@@ -4409,13 +4399,7 @@
               <a:rPr lang="en-US" sz="2800" b="1" dirty="0" smtClean="0">
                 <a:cs typeface="Menlo Regular"/>
               </a:rPr>
-              <a:t>Class </a:t>
-            </a:r>
-            <a:r>
-              <a:rPr lang="en-US" sz="2800" b="1" dirty="0" smtClean="0">
-                <a:cs typeface="Menlo Regular"/>
-              </a:rPr>
-              <a:t>selectors					Syntax: </a:t>
+              <a:t>Class selectors					Syntax: </a:t>
             </a:r>
             <a:r>
               <a:rPr lang="en-US" sz="2400" dirty="0" smtClean="0">
@@ -4476,13 +4460,7 @@
               <a:rPr lang="en-US" sz="2800" b="1" dirty="0" smtClean="0">
                 <a:cs typeface="Menlo Regular"/>
               </a:rPr>
-              <a:t>ID </a:t>
-            </a:r>
-            <a:r>
-              <a:rPr lang="en-US" sz="2800" b="1" dirty="0" smtClean="0">
-                <a:cs typeface="Menlo Regular"/>
-              </a:rPr>
-              <a:t>selectors						Syntax: </a:t>
+              <a:t>ID selectors						Syntax: </a:t>
             </a:r>
             <a:r>
               <a:rPr lang="en-US" sz="2400" dirty="0" smtClean="0">
@@ -7317,14 +7295,7 @@
                 <a:latin typeface="Menlo Regular"/>
                 <a:cs typeface="Menlo Regular"/>
               </a:rPr>
-              <a:t>		</a:t>
-            </a:r>
-            <a:r>
-              <a:rPr lang="en-US" sz="2000" dirty="0" smtClean="0">
-                <a:latin typeface="Menlo Regular"/>
-                <a:cs typeface="Menlo Regular"/>
-              </a:rPr>
-              <a:t>}</a:t>
+              <a:t>		}</a:t>
             </a:r>
           </a:p>
           <a:p>
@@ -7335,10 +7306,6 @@
               </a:rPr>
               <a:t>})</a:t>
             </a:r>
-            <a:endParaRPr lang="en-US" sz="2000" dirty="0" smtClean="0">
-              <a:latin typeface="Menlo Regular"/>
-              <a:cs typeface="Menlo Regular"/>
-            </a:endParaRPr>
           </a:p>
         </p:txBody>
       </p:sp>
@@ -8031,7 +7998,7 @@
         <p:spPr>
           <a:xfrm>
             <a:off x="155222" y="1034467"/>
-            <a:ext cx="8830033" cy="5693866"/>
+            <a:ext cx="8988778" cy="5693866"/>
           </a:xfrm>
           <a:prstGeom prst="rect">
             <a:avLst/>
@@ -8372,7 +8339,7 @@
                 <a:latin typeface="Menlo Regular"/>
                 <a:cs typeface="Menlo Regular"/>
               </a:rPr>
-              <a:t>d.meangdna</a:t>
+              <a:t>d.meanDenom</a:t>
             </a:r>
             <a:r>
               <a:rPr lang="en-US" sz="2000" dirty="0" smtClean="0">
@@ -8474,7 +8441,7 @@
                 <a:latin typeface="Menlo Regular"/>
                 <a:cs typeface="Menlo Regular"/>
               </a:rPr>
-              <a:t>d.naivet</a:t>
+              <a:t>d.tstat</a:t>
             </a:r>
             <a:r>
               <a:rPr lang="en-US" sz="2000" dirty="0" smtClean="0">
@@ -8632,7 +8599,7 @@
         <p:spPr>
           <a:xfrm>
             <a:off x="155222" y="1034467"/>
-            <a:ext cx="8830033" cy="3354765"/>
+            <a:ext cx="8988778" cy="3354765"/>
           </a:xfrm>
           <a:prstGeom prst="rect">
             <a:avLst/>
@@ -8879,91 +8846,98 @@
               <a:t>(</a:t>
             </a:r>
             <a:r>
+              <a:rPr lang="en-US" sz="2000" dirty="0" err="1" smtClean="0">
+                <a:latin typeface="Menlo Regular"/>
+                <a:cs typeface="Menlo Regular"/>
+              </a:rPr>
+              <a:t>d.meanDenom</a:t>
+            </a:r>
+            <a:r>
+              <a:rPr lang="en-US" sz="2000" dirty="0" smtClean="0">
+                <a:latin typeface="Menlo Regular"/>
+                <a:cs typeface="Menlo Regular"/>
+              </a:rPr>
+              <a:t>)</a:t>
+            </a:r>
+            <a:r>
+              <a:rPr lang="en-US" sz="2000" dirty="0" smtClean="0">
+                <a:latin typeface="Menlo Regular"/>
+                <a:cs typeface="Menlo Regular"/>
+              </a:rPr>
+              <a:t>; </a:t>
+            </a:r>
+            <a:r>
+              <a:rPr lang="en-US" sz="2000" dirty="0">
+                <a:latin typeface="Menlo Regular"/>
+                <a:cs typeface="Menlo Regular"/>
+              </a:rPr>
+              <a:t>},</a:t>
+            </a:r>
+          </a:p>
+          <a:p>
+            <a:r>
+              <a:rPr lang="en-US" sz="2000" dirty="0">
+                <a:latin typeface="Menlo Regular"/>
+                <a:cs typeface="Menlo Regular"/>
+              </a:rPr>
+              <a:t>			</a:t>
+            </a:r>
+            <a:r>
+              <a:rPr lang="en-US" sz="2000" dirty="0">
+                <a:solidFill>
+                  <a:srgbClr val="008000"/>
+                </a:solidFill>
+                <a:latin typeface="Menlo Regular"/>
+                <a:cs typeface="Menlo Regular"/>
+              </a:rPr>
+              <a:t>cy</a:t>
+            </a:r>
+            <a:r>
+              <a:rPr lang="en-US" sz="2000" dirty="0">
+                <a:latin typeface="Menlo Regular"/>
+                <a:cs typeface="Menlo Regular"/>
+              </a:rPr>
+              <a:t>: </a:t>
+            </a:r>
+            <a:r>
+              <a:rPr lang="en-US" sz="2000" dirty="0">
+                <a:solidFill>
+                  <a:srgbClr val="31859C"/>
+                </a:solidFill>
+                <a:latin typeface="Menlo Regular"/>
+                <a:cs typeface="Menlo Regular"/>
+              </a:rPr>
+              <a:t>function</a:t>
+            </a:r>
+            <a:r>
+              <a:rPr lang="en-US" sz="2000" dirty="0">
+                <a:latin typeface="Menlo Regular"/>
+                <a:cs typeface="Menlo Regular"/>
+              </a:rPr>
+              <a:t>(d) { </a:t>
+            </a:r>
+            <a:r>
+              <a:rPr lang="en-US" sz="2000" dirty="0">
+                <a:solidFill>
+                  <a:srgbClr val="FF0080"/>
+                </a:solidFill>
+                <a:latin typeface="Menlo Regular"/>
+                <a:cs typeface="Menlo Regular"/>
+              </a:rPr>
+              <a:t>return</a:t>
+            </a:r>
+            <a:r>
+              <a:rPr lang="en-US" sz="2000" dirty="0">
+                <a:latin typeface="Menlo Regular"/>
+                <a:cs typeface="Menlo Regular"/>
+              </a:rPr>
+              <a:t> </a:t>
+            </a:r>
+            <a:r>
               <a:rPr lang="en-US" sz="2000" dirty="0" err="1">
                 <a:latin typeface="Menlo Regular"/>
                 <a:cs typeface="Menlo Regular"/>
               </a:rPr>
-              <a:t>d.meangdna</a:t>
-            </a:r>
-            <a:r>
-              <a:rPr lang="en-US" sz="2000" dirty="0" smtClean="0">
-                <a:latin typeface="Menlo Regular"/>
-                <a:cs typeface="Menlo Regular"/>
-              </a:rPr>
-              <a:t>); </a:t>
-            </a:r>
-            <a:r>
-              <a:rPr lang="en-US" sz="2000" dirty="0">
-                <a:latin typeface="Menlo Regular"/>
-                <a:cs typeface="Menlo Regular"/>
-              </a:rPr>
-              <a:t>},</a:t>
-            </a:r>
-          </a:p>
-          <a:p>
-            <a:r>
-              <a:rPr lang="en-US" sz="2000" dirty="0">
-                <a:latin typeface="Menlo Regular"/>
-                <a:cs typeface="Menlo Regular"/>
-              </a:rPr>
-              <a:t>			</a:t>
-            </a:r>
-            <a:r>
-              <a:rPr lang="en-US" sz="2000" dirty="0">
-                <a:solidFill>
-                  <a:srgbClr val="008000"/>
-                </a:solidFill>
-                <a:latin typeface="Menlo Regular"/>
-                <a:cs typeface="Menlo Regular"/>
-              </a:rPr>
-              <a:t>cy</a:t>
-            </a:r>
-            <a:r>
-              <a:rPr lang="en-US" sz="2000" dirty="0">
-                <a:latin typeface="Menlo Regular"/>
-                <a:cs typeface="Menlo Regular"/>
-              </a:rPr>
-              <a:t>: </a:t>
-            </a:r>
-            <a:r>
-              <a:rPr lang="en-US" sz="2000" dirty="0">
-                <a:solidFill>
-                  <a:srgbClr val="31859C"/>
-                </a:solidFill>
-                <a:latin typeface="Menlo Regular"/>
-                <a:cs typeface="Menlo Regular"/>
-              </a:rPr>
-              <a:t>function</a:t>
-            </a:r>
-            <a:r>
-              <a:rPr lang="en-US" sz="2000" dirty="0">
-                <a:latin typeface="Menlo Regular"/>
-                <a:cs typeface="Menlo Regular"/>
-              </a:rPr>
-              <a:t>(d) { </a:t>
-            </a:r>
-            <a:r>
-              <a:rPr lang="en-US" sz="2000" dirty="0">
-                <a:solidFill>
-                  <a:srgbClr val="FF0080"/>
-                </a:solidFill>
-                <a:latin typeface="Menlo Regular"/>
-                <a:cs typeface="Menlo Regular"/>
-              </a:rPr>
-              <a:t>return</a:t>
-            </a:r>
-            <a:r>
-              <a:rPr lang="en-US" sz="2000" dirty="0">
-                <a:latin typeface="Menlo Regular"/>
-                <a:cs typeface="Menlo Regular"/>
-              </a:rPr>
-              <a:t> </a:t>
-            </a:r>
-            <a:r>
-              <a:rPr lang="en-US" sz="2000" dirty="0" err="1">
-                <a:latin typeface="Menlo Regular"/>
-                <a:cs typeface="Menlo Regular"/>
-              </a:rPr>
               <a:t>yScale</a:t>
             </a:r>
             <a:r>
@@ -8978,14 +8952,21 @@
                 <a:latin typeface="Menlo Regular"/>
                 <a:cs typeface="Menlo Regular"/>
               </a:rPr>
-              <a:t>d.naivet</a:t>
-            </a:r>
-            <a:r>
-              <a:rPr lang="en-US" sz="2000" dirty="0" smtClean="0">
-                <a:latin typeface="Menlo Regular"/>
-                <a:cs typeface="Menlo Regular"/>
-              </a:rPr>
-              <a:t>); </a:t>
+              <a:t>d.tstat</a:t>
+            </a:r>
+            <a:r>
+              <a:rPr lang="en-US" sz="2000" dirty="0" smtClean="0">
+                <a:latin typeface="Menlo Regular"/>
+                <a:cs typeface="Menlo Regular"/>
+              </a:rPr>
+              <a:t>)</a:t>
+            </a:r>
+            <a:r>
+              <a:rPr lang="en-US" sz="2000" dirty="0" smtClean="0">
+                <a:latin typeface="Menlo Regular"/>
+                <a:cs typeface="Menlo Regular"/>
+              </a:rPr>
+              <a:t>; </a:t>
             </a:r>
             <a:r>
               <a:rPr lang="en-US" sz="2000" dirty="0">
@@ -9233,15 +9214,26 @@
                 <a:latin typeface="Menlo Regular"/>
                 <a:cs typeface="Menlo Regular"/>
               </a:rPr>
-              <a:t>circle$meangdna</a:t>
-            </a:r>
-            <a:r>
-              <a:rPr lang="en-US" sz="2000" dirty="0">
+              <a:t>circle$</a:t>
+            </a:r>
+            <a:r>
+              <a:rPr lang="en-US" sz="2000" dirty="0" err="1" smtClean="0">
+                <a:latin typeface="Menlo Regular"/>
+                <a:cs typeface="Menlo Regular"/>
+              </a:rPr>
+              <a:t>meanDenom</a:t>
+            </a:r>
+            <a:r>
+              <a:rPr lang="en-US" sz="2000" dirty="0" smtClean="0">
                 <a:latin typeface="Menlo Regular"/>
                 <a:cs typeface="Menlo Regular"/>
               </a:rPr>
               <a:t>)</a:t>
             </a:r>
+            <a:endParaRPr lang="en-US" sz="2000" dirty="0">
+              <a:latin typeface="Menlo Regular"/>
+              <a:cs typeface="Menlo Regular"/>
+            </a:endParaRPr>
           </a:p>
           <a:p>
             <a:r>
@@ -9404,7 +9396,67 @@
                 <a:latin typeface="Menlo Regular"/>
                 <a:cs typeface="Menlo Regular"/>
               </a:rPr>
-              <a:t>,</a:t>
+              <a:t>, </a:t>
+            </a:r>
+            <a:r>
+              <a:rPr lang="en-US" sz="2000" dirty="0" smtClean="0">
+                <a:solidFill>
+                  <a:srgbClr val="31859C"/>
+                </a:solidFill>
+                <a:latin typeface="Menlo Regular"/>
+                <a:cs typeface="Menlo Regular"/>
+              </a:rPr>
+              <a:t>function</a:t>
+            </a:r>
+            <a:r>
+              <a:rPr lang="en-US" sz="2000" dirty="0">
+                <a:latin typeface="Menlo Regular"/>
+                <a:cs typeface="Menlo Regular"/>
+              </a:rPr>
+              <a:t>(</a:t>
+            </a:r>
+            <a:r>
+              <a:rPr lang="en-US" sz="2000" dirty="0" smtClean="0">
+                <a:latin typeface="Menlo Regular"/>
+                <a:cs typeface="Menlo Regular"/>
+              </a:rPr>
+              <a:t>d, </a:t>
+            </a:r>
+            <a:r>
+              <a:rPr lang="en-US" sz="2000" dirty="0" err="1" smtClean="0">
+                <a:latin typeface="Menlo Regular"/>
+                <a:cs typeface="Menlo Regular"/>
+              </a:rPr>
+              <a:t>i</a:t>
+            </a:r>
+            <a:r>
+              <a:rPr lang="en-US" sz="2000" dirty="0" smtClean="0">
+                <a:latin typeface="Menlo Regular"/>
+                <a:cs typeface="Menlo Regular"/>
+              </a:rPr>
+              <a:t>) {</a:t>
+            </a:r>
+          </a:p>
+          <a:p>
+            <a:r>
+              <a:rPr lang="en-US" sz="2000" dirty="0">
+                <a:solidFill>
+                  <a:srgbClr val="FF0080"/>
+                </a:solidFill>
+                <a:latin typeface="Menlo Regular"/>
+                <a:cs typeface="Menlo Regular"/>
+              </a:rPr>
+              <a:t>	</a:t>
+            </a:r>
+            <a:r>
+              <a:rPr lang="en-US" sz="2000" dirty="0" smtClean="0">
+                <a:solidFill>
+                  <a:srgbClr val="FF0080"/>
+                </a:solidFill>
+                <a:latin typeface="Menlo Regular"/>
+                <a:cs typeface="Menlo Regular"/>
+              </a:rPr>
+              <a:t>return</a:t>
             </a:r>
             <a:r>
               <a:rPr lang="en-US" sz="2000" dirty="0" smtClean="0">
@@ -9414,14 +9466,11 @@
               <a:t> </a:t>
             </a:r>
             <a:r>
-              <a:rPr lang="en-US" sz="2000" dirty="0" smtClean="0">
-                <a:solidFill>
-                  <a:srgbClr val="31859C"/>
-                </a:solidFill>
-                <a:latin typeface="Menlo Regular"/>
-                <a:cs typeface="Menlo Regular"/>
-              </a:rPr>
-              <a:t>function</a:t>
+              <a:rPr lang="en-US" sz="2000" dirty="0" err="1">
+                <a:latin typeface="Menlo Regular"/>
+                <a:cs typeface="Menlo Regular"/>
+              </a:rPr>
+              <a:t>xScale</a:t>
             </a:r>
             <a:r>
               <a:rPr lang="en-US" sz="2000" dirty="0">
@@ -9431,75 +9480,11 @@
               <a:t>(</a:t>
             </a:r>
             <a:r>
-              <a:rPr lang="en-US" sz="2000" dirty="0" smtClean="0">
-                <a:latin typeface="Menlo Regular"/>
-                <a:cs typeface="Menlo Regular"/>
-              </a:rPr>
-              <a:t>d, </a:t>
-            </a:r>
-            <a:r>
               <a:rPr lang="en-US" sz="2000" dirty="0" err="1" smtClean="0">
                 <a:latin typeface="Menlo Regular"/>
                 <a:cs typeface="Menlo Regular"/>
               </a:rPr>
-              <a:t>i</a:t>
-            </a:r>
-            <a:r>
-              <a:rPr lang="en-US" sz="2000" dirty="0" smtClean="0">
-                <a:latin typeface="Menlo Regular"/>
-                <a:cs typeface="Menlo Regular"/>
-              </a:rPr>
-              <a:t>) {</a:t>
-            </a:r>
-          </a:p>
-          <a:p>
-            <a:r>
-              <a:rPr lang="en-US" sz="2000" dirty="0">
-                <a:solidFill>
-                  <a:srgbClr val="FF0080"/>
-                </a:solidFill>
-                <a:latin typeface="Menlo Regular"/>
-                <a:cs typeface="Menlo Regular"/>
-              </a:rPr>
-              <a:t>	</a:t>
-            </a:r>
-            <a:r>
-              <a:rPr lang="en-US" sz="2000" dirty="0" smtClean="0">
-                <a:solidFill>
-                  <a:srgbClr val="FF0080"/>
-                </a:solidFill>
-                <a:latin typeface="Menlo Regular"/>
-                <a:cs typeface="Menlo Regular"/>
-              </a:rPr>
-              <a:t>return</a:t>
-            </a:r>
-            <a:r>
-              <a:rPr lang="en-US" sz="2000" dirty="0" smtClean="0">
-                <a:latin typeface="Menlo Regular"/>
-                <a:cs typeface="Menlo Regular"/>
-              </a:rPr>
-              <a:t> </a:t>
-            </a:r>
-            <a:r>
-              <a:rPr lang="en-US" sz="2000" dirty="0" err="1">
-                <a:latin typeface="Menlo Regular"/>
-                <a:cs typeface="Menlo Regular"/>
-              </a:rPr>
-              <a:t>xScale</a:t>
-            </a:r>
-            <a:r>
-              <a:rPr lang="en-US" sz="2000" dirty="0">
-                <a:latin typeface="Menlo Regular"/>
-                <a:cs typeface="Menlo Regular"/>
-              </a:rPr>
-              <a:t>(</a:t>
-            </a:r>
-            <a:r>
-              <a:rPr lang="en-US" sz="2000" dirty="0" err="1">
-                <a:latin typeface="Menlo Regular"/>
-                <a:cs typeface="Menlo Regular"/>
-              </a:rPr>
-              <a:t>d.meangdna</a:t>
+              <a:t>d.meanDenom</a:t>
             </a:r>
             <a:r>
               <a:rPr lang="en-US" sz="2000" dirty="0" smtClean="0">
@@ -9522,14 +9507,7 @@
                 <a:latin typeface="Menlo Regular"/>
                 <a:cs typeface="Menlo Regular"/>
               </a:rPr>
-              <a:t>}</a:t>
-            </a:r>
-            <a:r>
-              <a:rPr lang="en-US" sz="2000" dirty="0" smtClean="0">
-                <a:latin typeface="Menlo Regular"/>
-                <a:cs typeface="Menlo Regular"/>
-              </a:rPr>
-              <a:t>);</a:t>
+              <a:t>});</a:t>
             </a:r>
           </a:p>
           <a:p>
@@ -9606,11 +9584,7 @@
             </a:r>
             <a:r>
               <a:rPr lang="en-US" sz="2800" dirty="0" smtClean="0"/>
-              <a:t> </a:t>
-            </a:r>
-            <a:r>
-              <a:rPr lang="en-US" sz="2800" dirty="0" smtClean="0"/>
-              <a:t>Imagine being able to provide a two-function argument in </a:t>
+              <a:t> Imagine being able to provide a two-function argument in </a:t>
             </a:r>
             <a:r>
               <a:rPr lang="en-US" sz="2800" dirty="0" err="1" smtClean="0"/>
@@ -9620,7 +9594,6 @@
               <a:rPr lang="en-US" sz="2800" dirty="0" smtClean="0"/>
               <a:t>.</a:t>
             </a:r>
-            <a:endParaRPr lang="en-US" sz="2800" dirty="0" smtClean="0"/>
           </a:p>
           <a:p>
             <a:r>
@@ -9714,15 +9687,26 @@
                 <a:latin typeface="Menlo Regular"/>
                 <a:cs typeface="Menlo Regular"/>
               </a:rPr>
-              <a:t>circle$meangdna</a:t>
-            </a:r>
-            <a:r>
-              <a:rPr lang="en-US" sz="2000" dirty="0">
+              <a:t>circle$</a:t>
+            </a:r>
+            <a:r>
+              <a:rPr lang="en-US" sz="2000" dirty="0" err="1" smtClean="0">
+                <a:latin typeface="Menlo Regular"/>
+                <a:cs typeface="Menlo Regular"/>
+              </a:rPr>
+              <a:t>meanDenom</a:t>
+            </a:r>
+            <a:r>
+              <a:rPr lang="en-US" sz="2000" dirty="0" smtClean="0">
                 <a:latin typeface="Menlo Regular"/>
                 <a:cs typeface="Menlo Regular"/>
               </a:rPr>
               <a:t>)</a:t>
             </a:r>
+            <a:endParaRPr lang="en-US" sz="2000" dirty="0">
+              <a:latin typeface="Menlo Regular"/>
+              <a:cs typeface="Menlo Regular"/>
+            </a:endParaRPr>
           </a:p>
           <a:p>
             <a:r>
@@ -9867,7 +9851,67 @@
                 <a:latin typeface="Menlo Regular"/>
                 <a:cs typeface="Menlo Regular"/>
               </a:rPr>
-              <a:t>,</a:t>
+              <a:t>, </a:t>
+            </a:r>
+            <a:r>
+              <a:rPr lang="en-US" sz="2000" dirty="0" smtClean="0">
+                <a:solidFill>
+                  <a:srgbClr val="31859C"/>
+                </a:solidFill>
+                <a:latin typeface="Menlo Regular"/>
+                <a:cs typeface="Menlo Regular"/>
+              </a:rPr>
+              <a:t>function</a:t>
+            </a:r>
+            <a:r>
+              <a:rPr lang="en-US" sz="2000" dirty="0">
+                <a:latin typeface="Menlo Regular"/>
+                <a:cs typeface="Menlo Regular"/>
+              </a:rPr>
+              <a:t>(</a:t>
+            </a:r>
+            <a:r>
+              <a:rPr lang="en-US" sz="2000" dirty="0" smtClean="0">
+                <a:latin typeface="Menlo Regular"/>
+                <a:cs typeface="Menlo Regular"/>
+              </a:rPr>
+              <a:t>d, </a:t>
+            </a:r>
+            <a:r>
+              <a:rPr lang="en-US" sz="2000" dirty="0" err="1" smtClean="0">
+                <a:latin typeface="Menlo Regular"/>
+                <a:cs typeface="Menlo Regular"/>
+              </a:rPr>
+              <a:t>i</a:t>
+            </a:r>
+            <a:r>
+              <a:rPr lang="en-US" sz="2000" dirty="0" smtClean="0">
+                <a:latin typeface="Menlo Regular"/>
+                <a:cs typeface="Menlo Regular"/>
+              </a:rPr>
+              <a:t>) {</a:t>
+            </a:r>
+          </a:p>
+          <a:p>
+            <a:r>
+              <a:rPr lang="en-US" sz="2000" dirty="0">
+                <a:solidFill>
+                  <a:srgbClr val="FF0080"/>
+                </a:solidFill>
+                <a:latin typeface="Menlo Regular"/>
+                <a:cs typeface="Menlo Regular"/>
+              </a:rPr>
+              <a:t>	</a:t>
+            </a:r>
+            <a:r>
+              <a:rPr lang="en-US" sz="2000" dirty="0" smtClean="0">
+                <a:solidFill>
+                  <a:srgbClr val="FF0080"/>
+                </a:solidFill>
+                <a:latin typeface="Menlo Regular"/>
+                <a:cs typeface="Menlo Regular"/>
+              </a:rPr>
+              <a:t>return</a:t>
             </a:r>
             <a:r>
               <a:rPr lang="en-US" sz="2000" dirty="0" smtClean="0">
@@ -9877,14 +9921,11 @@
               <a:t> </a:t>
             </a:r>
             <a:r>
-              <a:rPr lang="en-US" sz="2000" dirty="0" smtClean="0">
-                <a:solidFill>
-                  <a:srgbClr val="31859C"/>
-                </a:solidFill>
-                <a:latin typeface="Menlo Regular"/>
-                <a:cs typeface="Menlo Regular"/>
-              </a:rPr>
-              <a:t>function</a:t>
+              <a:rPr lang="en-US" sz="2000" dirty="0" err="1">
+                <a:latin typeface="Menlo Regular"/>
+                <a:cs typeface="Menlo Regular"/>
+              </a:rPr>
+              <a:t>xScale</a:t>
             </a:r>
             <a:r>
               <a:rPr lang="en-US" sz="2000" dirty="0">
@@ -9894,75 +9935,11 @@
               <a:t>(</a:t>
             </a:r>
             <a:r>
-              <a:rPr lang="en-US" sz="2000" dirty="0" smtClean="0">
-                <a:latin typeface="Menlo Regular"/>
-                <a:cs typeface="Menlo Regular"/>
-              </a:rPr>
-              <a:t>d, </a:t>
-            </a:r>
-            <a:r>
               <a:rPr lang="en-US" sz="2000" dirty="0" err="1" smtClean="0">
                 <a:latin typeface="Menlo Regular"/>
                 <a:cs typeface="Menlo Regular"/>
               </a:rPr>
-              <a:t>i</a:t>
-            </a:r>
-            <a:r>
-              <a:rPr lang="en-US" sz="2000" dirty="0" smtClean="0">
-                <a:latin typeface="Menlo Regular"/>
-                <a:cs typeface="Menlo Regular"/>
-              </a:rPr>
-              <a:t>) {</a:t>
-            </a:r>
-          </a:p>
-          <a:p>
-            <a:r>
-              <a:rPr lang="en-US" sz="2000" dirty="0">
-                <a:solidFill>
-                  <a:srgbClr val="FF0080"/>
-                </a:solidFill>
-                <a:latin typeface="Menlo Regular"/>
-                <a:cs typeface="Menlo Regular"/>
-              </a:rPr>
-              <a:t>	</a:t>
-            </a:r>
-            <a:r>
-              <a:rPr lang="en-US" sz="2000" dirty="0" smtClean="0">
-                <a:solidFill>
-                  <a:srgbClr val="FF0080"/>
-                </a:solidFill>
-                <a:latin typeface="Menlo Regular"/>
-                <a:cs typeface="Menlo Regular"/>
-              </a:rPr>
-              <a:t>return</a:t>
-            </a:r>
-            <a:r>
-              <a:rPr lang="en-US" sz="2000" dirty="0" smtClean="0">
-                <a:latin typeface="Menlo Regular"/>
-                <a:cs typeface="Menlo Regular"/>
-              </a:rPr>
-              <a:t> </a:t>
-            </a:r>
-            <a:r>
-              <a:rPr lang="en-US" sz="2000" dirty="0" err="1">
-                <a:latin typeface="Menlo Regular"/>
-                <a:cs typeface="Menlo Regular"/>
-              </a:rPr>
-              <a:t>xScale</a:t>
-            </a:r>
-            <a:r>
-              <a:rPr lang="en-US" sz="2000" dirty="0">
-                <a:latin typeface="Menlo Regular"/>
-                <a:cs typeface="Menlo Regular"/>
-              </a:rPr>
-              <a:t>(</a:t>
-            </a:r>
-            <a:r>
-              <a:rPr lang="en-US" sz="2000" dirty="0" err="1">
-                <a:latin typeface="Menlo Regular"/>
-                <a:cs typeface="Menlo Regular"/>
-              </a:rPr>
-              <a:t>d.meangdna</a:t>
+              <a:t>d.meanDenom</a:t>
             </a:r>
             <a:r>
               <a:rPr lang="en-US" sz="2000" dirty="0" smtClean="0">
@@ -9985,14 +9962,7 @@
                 <a:latin typeface="Menlo Regular"/>
                 <a:cs typeface="Menlo Regular"/>
               </a:rPr>
-              <a:t>}</a:t>
-            </a:r>
-            <a:r>
-              <a:rPr lang="en-US" sz="2000" dirty="0" smtClean="0">
-                <a:latin typeface="Menlo Regular"/>
-                <a:cs typeface="Menlo Regular"/>
-              </a:rPr>
-              <a:t>);</a:t>
+              <a:t>});</a:t>
             </a:r>
           </a:p>
           <a:p>
@@ -10870,8 +10840,8 @@
         </p:nvSpPr>
         <p:spPr>
           <a:xfrm>
-            <a:off x="155222" y="3759677"/>
-            <a:ext cx="8984702" cy="923330"/>
+            <a:off x="20326" y="3759677"/>
+            <a:ext cx="9123674" cy="923330"/>
           </a:xfrm>
           <a:prstGeom prst="rect">
             <a:avLst/>
@@ -10980,18 +10950,25 @@
               <a:t> </a:t>
             </a:r>
             <a:r>
-              <a:rPr lang="en-US" dirty="0" err="1">
-                <a:latin typeface="Menlo Regular"/>
-                <a:cs typeface="Menlo Regular"/>
-              </a:rPr>
-              <a:t>d.meangdna</a:t>
+              <a:rPr lang="en-US" dirty="0" err="1" smtClean="0">
+                <a:latin typeface="Menlo Regular"/>
+                <a:cs typeface="Menlo Regular"/>
+              </a:rPr>
+              <a:t>d.meanDenom</a:t>
+            </a:r>
+            <a:r>
+              <a:rPr lang="en-US" dirty="0" smtClean="0">
+                <a:latin typeface="Menlo Regular"/>
+                <a:cs typeface="Menlo Regular"/>
+              </a:rPr>
+              <a:t>; </a:t>
             </a:r>
             <a:r>
               <a:rPr lang="en-US" dirty="0">
                 <a:latin typeface="Menlo Regular"/>
                 <a:cs typeface="Menlo Regular"/>
               </a:rPr>
-              <a:t>; }))</a:t>
+              <a:t>}))</a:t>
             </a:r>
           </a:p>
           <a:p>
@@ -11090,7 +11067,14 @@
                 <a:latin typeface="Menlo Regular"/>
                 <a:cs typeface="Menlo Regular"/>
               </a:rPr>
-              <a:t>d$meangdna</a:t>
+              <a:t>d$</a:t>
+            </a:r>
+            <a:r>
+              <a:rPr lang="en-US" sz="2000" dirty="0" err="1" smtClean="0">
+                <a:latin typeface="Menlo Regular"/>
+                <a:cs typeface="Menlo Regular"/>
+              </a:rPr>
+              <a:t>meanDenom</a:t>
             </a:r>
             <a:endParaRPr lang="en-US" sz="2000" dirty="0">
               <a:latin typeface="Menlo Regular"/>
@@ -12142,15 +12126,7 @@
           <a:p>
             <a:r>
               <a:rPr lang="en-US" dirty="0" smtClean="0"/>
-              <a:t>Efficient </a:t>
-            </a:r>
-            <a:r>
-              <a:rPr lang="en-US" dirty="0" smtClean="0"/>
-              <a:t>way to explore data in multiple </a:t>
-            </a:r>
-            <a:r>
-              <a:rPr lang="en-US" dirty="0" smtClean="0"/>
-              <a:t>ways</a:t>
+              <a:t>Efficient way to explore data in multiple ways</a:t>
             </a:r>
           </a:p>
           <a:p>
@@ -12158,7 +12134,6 @@
               <a:rPr lang="en-US" dirty="0" smtClean="0"/>
               <a:t>Information-rich data displays</a:t>
             </a:r>
-            <a:endParaRPr lang="en-US" dirty="0" smtClean="0"/>
           </a:p>
           <a:p>
             <a:pPr marL="457200" lvl="1" indent="0">
@@ -12238,15 +12213,7 @@
           <a:p>
             <a:r>
               <a:rPr lang="en-US" sz="2200" dirty="0" smtClean="0"/>
-              <a:t>Not ideal for performing </a:t>
-            </a:r>
-            <a:r>
-              <a:rPr lang="en-US" sz="2200" dirty="0" smtClean="0"/>
-              <a:t>(complex) calculations </a:t>
-            </a:r>
-            <a:r>
-              <a:rPr lang="en-US" sz="2200" dirty="0" smtClean="0"/>
-              <a:t>on data on the fly</a:t>
+              <a:t>Not ideal for performing (complex) calculations on data on the fly</a:t>
             </a:r>
           </a:p>
           <a:p>
@@ -12263,13 +12230,7 @@
               <a:rPr lang="en-US" sz="1900" dirty="0" smtClean="0">
                 <a:hlinkClick r:id="rId5"/>
               </a:rPr>
-              <a:t>http://bl.ocks.org/mbostock/</a:t>
-            </a:r>
-            <a:r>
-              <a:rPr lang="en-US" sz="1900" dirty="0" smtClean="0">
-                <a:hlinkClick r:id="rId5"/>
-              </a:rPr>
-              <a:t>1136236</a:t>
+              <a:t>http://bl.ocks.org/mbostock/1136236</a:t>
             </a:r>
             <a:endParaRPr lang="en-US" sz="1900" dirty="0" smtClean="0"/>
           </a:p>
@@ -14372,13 +14333,8 @@
             <a:pPr algn="ctr"/>
             <a:r>
               <a:rPr lang="en-US" sz="2800" b="1" dirty="0" smtClean="0"/>
-              <a:t>Important for understanding how to select the elements that I </a:t>
-            </a:r>
-            <a:r>
-              <a:rPr lang="en-US" sz="2800" b="1" dirty="0" smtClean="0"/>
-              <a:t>want</a:t>
-            </a:r>
-            <a:endParaRPr lang="en-US" sz="2800" b="1" dirty="0" smtClean="0"/>
+              <a:t>Important for understanding how to select the elements that I want</a:t>
+            </a:r>
           </a:p>
         </p:txBody>
       </p:sp>
